--- a/Fihirana Fanampiny/FF 47.pptx
+++ b/Fihirana Fanampiny/FF 47.pptx
@@ -114,7 +114,18 @@
   </p:defaultTextStyle>
   <p:extLst>
     <p:ext uri="{EFAFB233-063F-42B5-8137-9DF3F51BA10A}">
-      <p15:sldGuideLst xmlns:p15="http://schemas.microsoft.com/office/powerpoint/2012/main" xmlns=""/>
+      <p15:sldGuideLst xmlns:p15="http://schemas.microsoft.com/office/powerpoint/2012/main">
+        <p15:guide id="1" orient="horz" pos="2160">
+          <p15:clr>
+            <a:srgbClr val="A4A3A4"/>
+          </p15:clr>
+        </p15:guide>
+        <p15:guide id="2" pos="3840">
+          <p15:clr>
+            <a:srgbClr val="A4A3A4"/>
+          </p15:clr>
+        </p15:guide>
+      </p15:sldGuideLst>
     </p:ext>
   </p:extLst>
 </p:presentation>
@@ -251,7 +262,7 @@
           <a:p>
             <a:fld id="{0516010C-3F3D-451D-8183-F372A962A0BB}" type="datetimeFigureOut">
               <a:rPr lang="fr-FR" smtClean="0"/>
-              <a:t>14/11/2014</a:t>
+              <a:t>12/10/2025</a:t>
             </a:fld>
             <a:endParaRPr lang="fr-FR"/>
           </a:p>
@@ -421,7 +432,7 @@
           <a:p>
             <a:fld id="{0516010C-3F3D-451D-8183-F372A962A0BB}" type="datetimeFigureOut">
               <a:rPr lang="fr-FR" smtClean="0"/>
-              <a:t>14/11/2014</a:t>
+              <a:t>12/10/2025</a:t>
             </a:fld>
             <a:endParaRPr lang="fr-FR"/>
           </a:p>
@@ -601,7 +612,7 @@
           <a:p>
             <a:fld id="{0516010C-3F3D-451D-8183-F372A962A0BB}" type="datetimeFigureOut">
               <a:rPr lang="fr-FR" smtClean="0"/>
-              <a:t>14/11/2014</a:t>
+              <a:t>12/10/2025</a:t>
             </a:fld>
             <a:endParaRPr lang="fr-FR"/>
           </a:p>
@@ -771,7 +782,7 @@
           <a:p>
             <a:fld id="{0516010C-3F3D-451D-8183-F372A962A0BB}" type="datetimeFigureOut">
               <a:rPr lang="fr-FR" smtClean="0"/>
-              <a:t>14/11/2014</a:t>
+              <a:t>12/10/2025</a:t>
             </a:fld>
             <a:endParaRPr lang="fr-FR"/>
           </a:p>
@@ -1017,7 +1028,7 @@
           <a:p>
             <a:fld id="{0516010C-3F3D-451D-8183-F372A962A0BB}" type="datetimeFigureOut">
               <a:rPr lang="fr-FR" smtClean="0"/>
-              <a:t>14/11/2014</a:t>
+              <a:t>12/10/2025</a:t>
             </a:fld>
             <a:endParaRPr lang="fr-FR"/>
           </a:p>
@@ -1249,7 +1260,7 @@
           <a:p>
             <a:fld id="{0516010C-3F3D-451D-8183-F372A962A0BB}" type="datetimeFigureOut">
               <a:rPr lang="fr-FR" smtClean="0"/>
-              <a:t>14/11/2014</a:t>
+              <a:t>12/10/2025</a:t>
             </a:fld>
             <a:endParaRPr lang="fr-FR"/>
           </a:p>
@@ -1616,7 +1627,7 @@
           <a:p>
             <a:fld id="{0516010C-3F3D-451D-8183-F372A962A0BB}" type="datetimeFigureOut">
               <a:rPr lang="fr-FR" smtClean="0"/>
-              <a:t>14/11/2014</a:t>
+              <a:t>12/10/2025</a:t>
             </a:fld>
             <a:endParaRPr lang="fr-FR"/>
           </a:p>
@@ -1734,7 +1745,7 @@
           <a:p>
             <a:fld id="{0516010C-3F3D-451D-8183-F372A962A0BB}" type="datetimeFigureOut">
               <a:rPr lang="fr-FR" smtClean="0"/>
-              <a:t>14/11/2014</a:t>
+              <a:t>12/10/2025</a:t>
             </a:fld>
             <a:endParaRPr lang="fr-FR"/>
           </a:p>
@@ -1829,7 +1840,7 @@
           <a:p>
             <a:fld id="{0516010C-3F3D-451D-8183-F372A962A0BB}" type="datetimeFigureOut">
               <a:rPr lang="fr-FR" smtClean="0"/>
-              <a:t>14/11/2014</a:t>
+              <a:t>12/10/2025</a:t>
             </a:fld>
             <a:endParaRPr lang="fr-FR"/>
           </a:p>
@@ -2106,7 +2117,7 @@
           <a:p>
             <a:fld id="{0516010C-3F3D-451D-8183-F372A962A0BB}" type="datetimeFigureOut">
               <a:rPr lang="fr-FR" smtClean="0"/>
-              <a:t>14/11/2014</a:t>
+              <a:t>12/10/2025</a:t>
             </a:fld>
             <a:endParaRPr lang="fr-FR"/>
           </a:p>
@@ -2359,7 +2370,7 @@
           <a:p>
             <a:fld id="{0516010C-3F3D-451D-8183-F372A962A0BB}" type="datetimeFigureOut">
               <a:rPr lang="fr-FR" smtClean="0"/>
-              <a:t>14/11/2014</a:t>
+              <a:t>12/10/2025</a:t>
             </a:fld>
             <a:endParaRPr lang="fr-FR"/>
           </a:p>
@@ -2572,7 +2583,7 @@
           <a:p>
             <a:fld id="{0516010C-3F3D-451D-8183-F372A962A0BB}" type="datetimeFigureOut">
               <a:rPr lang="fr-FR" smtClean="0"/>
-              <a:t>14/11/2014</a:t>
+              <a:t>12/10/2025</a:t>
             </a:fld>
             <a:endParaRPr lang="fr-FR"/>
           </a:p>
@@ -3055,6 +3066,13 @@
   <p:clrMapOvr>
     <a:masterClrMapping/>
   </p:clrMapOvr>
+  <p:timing>
+    <p:tnLst>
+      <p:par>
+        <p:cTn id="1" dur="indefinite" restart="never" nodeType="tmRoot"/>
+      </p:par>
+    </p:tnLst>
+  </p:timing>
 </p:sld>
 </file>
 
@@ -3397,6 +3415,13 @@
   <p:clrMapOvr>
     <a:masterClrMapping/>
   </p:clrMapOvr>
+  <p:timing>
+    <p:tnLst>
+      <p:par>
+        <p:cTn id="1" dur="indefinite" restart="never" nodeType="tmRoot"/>
+      </p:par>
+    </p:tnLst>
+  </p:timing>
 </p:sld>
 </file>
 
@@ -3733,6 +3758,13 @@
   <p:clrMapOvr>
     <a:masterClrMapping/>
   </p:clrMapOvr>
+  <p:timing>
+    <p:tnLst>
+      <p:par>
+        <p:cTn id="1" dur="indefinite" restart="never" nodeType="tmRoot"/>
+      </p:par>
+    </p:tnLst>
+  </p:timing>
 </p:sld>
 </file>
 
@@ -4158,6 +4190,13 @@
   <p:clrMapOvr>
     <a:masterClrMapping/>
   </p:clrMapOvr>
+  <p:timing>
+    <p:tnLst>
+      <p:par>
+        <p:cTn id="1" dur="indefinite" restart="never" nodeType="tmRoot"/>
+      </p:par>
+    </p:tnLst>
+  </p:timing>
 </p:sld>
 </file>
 
@@ -4331,6 +4370,13 @@
   <p:clrMapOvr>
     <a:masterClrMapping/>
   </p:clrMapOvr>
+  <p:timing>
+    <p:tnLst>
+      <p:par>
+        <p:cTn id="1" dur="indefinite" restart="never" nodeType="tmRoot"/>
+      </p:par>
+    </p:tnLst>
+  </p:timing>
 </p:sld>
 </file>
 
@@ -4645,6 +4691,13 @@
   <p:clrMapOvr>
     <a:masterClrMapping/>
   </p:clrMapOvr>
+  <p:timing>
+    <p:tnLst>
+      <p:par>
+        <p:cTn id="1" dur="indefinite" restart="never" nodeType="tmRoot"/>
+      </p:par>
+    </p:tnLst>
+  </p:timing>
 </p:sld>
 </file>
 
@@ -5841,7 +5894,7 @@
   <a:extraClrSchemeLst/>
   <a:extLst>
     <a:ext uri="{05A4C25C-085E-4340-85A3-A5531E510DB2}">
-      <thm15:themeFamily xmlns:thm15="http://schemas.microsoft.com/office/thememl/2012/main" xmlns="" name="Office Theme" id="{62F939B6-93AF-4DB8-9C6B-D6C7DFDC589F}" vid="{4A3C46E8-61CC-4603-A589-7422A47A8E4A}"/>
+      <thm15:themeFamily xmlns:thm15="http://schemas.microsoft.com/office/thememl/2012/main" name="Office Theme" id="{62F939B6-93AF-4DB8-9C6B-D6C7DFDC589F}" vid="{4A3C46E8-61CC-4603-A589-7422A47A8E4A}"/>
     </a:ext>
   </a:extLst>
 </a:theme>
